--- a/03-Run Interactive queries using Azure Synapse Serverless.pptx
+++ b/03-Run Interactive queries using Azure Synapse Serverless.pptx
@@ -598,7 +598,7 @@
           <a:p>
             <a:fld id="{2B56BDA5-FBCC-43E1-957B-02AF36889AD5}" type="datetimeFigureOut">
               <a:rPr lang="en-US" smtClean="0"/>
-              <a:t>12/2/23</a:t>
+              <a:t>12/3/2023</a:t>
             </a:fld>
             <a:endParaRPr lang="en-US" dirty="0"/>
           </a:p>
@@ -775,7 +775,7 @@
           <a:p>
             <a:fld id="{8F44CDF0-0D54-4AFE-B409-D6358A9BB9A1}" type="datetimeFigureOut">
               <a:rPr lang="en-US" smtClean="0"/>
-              <a:t>12/2/23</a:t>
+              <a:t>12/3/2023</a:t>
             </a:fld>
             <a:endParaRPr lang="en-US" dirty="0"/>
           </a:p>
@@ -25890,7 +25890,7 @@
 </file>
 
 <file path=ppt/slides/slide2.xml><?xml version="1.0" encoding="utf-8"?>
-<p:sld xmlns:a="http://schemas.openxmlformats.org/drawingml/2006/main" xmlns:r="http://schemas.openxmlformats.org/officeDocument/2006/relationships" xmlns:p="http://schemas.openxmlformats.org/presentationml/2006/main">
+<p:sld xmlns:a="http://schemas.openxmlformats.org/drawingml/2006/main" xmlns:r="http://schemas.openxmlformats.org/officeDocument/2006/relationships" xmlns:p="http://schemas.openxmlformats.org/presentationml/2006/main" show="0">
   <p:cSld>
     <p:spTree>
       <p:nvGrpSpPr>
